--- a/plots/free_energy/AFE_cycle.pptx
+++ b/plots/free_energy/AFE_cycle.pptx
@@ -305,7 +305,7 @@
           <a:p>
             <a:fld id="{A0631ED2-590D-6041-A408-8F7532103628}" type="datetimeFigureOut">
               <a:rPr lang="en-GB" smtClean="0"/>
-              <a:t>06/08/2022</a:t>
+              <a:t>07/08/2022</a:t>
             </a:fld>
             <a:endParaRPr lang="en-GB"/>
           </a:p>
@@ -503,7 +503,7 @@
           <a:p>
             <a:fld id="{A0631ED2-590D-6041-A408-8F7532103628}" type="datetimeFigureOut">
               <a:rPr lang="en-GB" smtClean="0"/>
-              <a:t>06/08/2022</a:t>
+              <a:t>07/08/2022</a:t>
             </a:fld>
             <a:endParaRPr lang="en-GB"/>
           </a:p>
@@ -711,7 +711,7 @@
           <a:p>
             <a:fld id="{A0631ED2-590D-6041-A408-8F7532103628}" type="datetimeFigureOut">
               <a:rPr lang="en-GB" smtClean="0"/>
-              <a:t>06/08/2022</a:t>
+              <a:t>07/08/2022</a:t>
             </a:fld>
             <a:endParaRPr lang="en-GB"/>
           </a:p>
@@ -909,7 +909,7 @@
           <a:p>
             <a:fld id="{A0631ED2-590D-6041-A408-8F7532103628}" type="datetimeFigureOut">
               <a:rPr lang="en-GB" smtClean="0"/>
-              <a:t>06/08/2022</a:t>
+              <a:t>07/08/2022</a:t>
             </a:fld>
             <a:endParaRPr lang="en-GB"/>
           </a:p>
@@ -1184,7 +1184,7 @@
           <a:p>
             <a:fld id="{A0631ED2-590D-6041-A408-8F7532103628}" type="datetimeFigureOut">
               <a:rPr lang="en-GB" smtClean="0"/>
-              <a:t>06/08/2022</a:t>
+              <a:t>07/08/2022</a:t>
             </a:fld>
             <a:endParaRPr lang="en-GB"/>
           </a:p>
@@ -1449,7 +1449,7 @@
           <a:p>
             <a:fld id="{A0631ED2-590D-6041-A408-8F7532103628}" type="datetimeFigureOut">
               <a:rPr lang="en-GB" smtClean="0"/>
-              <a:t>06/08/2022</a:t>
+              <a:t>07/08/2022</a:t>
             </a:fld>
             <a:endParaRPr lang="en-GB"/>
           </a:p>
@@ -1861,7 +1861,7 @@
           <a:p>
             <a:fld id="{A0631ED2-590D-6041-A408-8F7532103628}" type="datetimeFigureOut">
               <a:rPr lang="en-GB" smtClean="0"/>
-              <a:t>06/08/2022</a:t>
+              <a:t>07/08/2022</a:t>
             </a:fld>
             <a:endParaRPr lang="en-GB"/>
           </a:p>
@@ -2002,7 +2002,7 @@
           <a:p>
             <a:fld id="{A0631ED2-590D-6041-A408-8F7532103628}" type="datetimeFigureOut">
               <a:rPr lang="en-GB" smtClean="0"/>
-              <a:t>06/08/2022</a:t>
+              <a:t>07/08/2022</a:t>
             </a:fld>
             <a:endParaRPr lang="en-GB"/>
           </a:p>
@@ -2115,7 +2115,7 @@
           <a:p>
             <a:fld id="{A0631ED2-590D-6041-A408-8F7532103628}" type="datetimeFigureOut">
               <a:rPr lang="en-GB" smtClean="0"/>
-              <a:t>06/08/2022</a:t>
+              <a:t>07/08/2022</a:t>
             </a:fld>
             <a:endParaRPr lang="en-GB"/>
           </a:p>
@@ -2426,7 +2426,7 @@
           <a:p>
             <a:fld id="{A0631ED2-590D-6041-A408-8F7532103628}" type="datetimeFigureOut">
               <a:rPr lang="en-GB" smtClean="0"/>
-              <a:t>06/08/2022</a:t>
+              <a:t>07/08/2022</a:t>
             </a:fld>
             <a:endParaRPr lang="en-GB"/>
           </a:p>
@@ -2714,7 +2714,7 @@
           <a:p>
             <a:fld id="{A0631ED2-590D-6041-A408-8F7532103628}" type="datetimeFigureOut">
               <a:rPr lang="en-GB" smtClean="0"/>
-              <a:t>06/08/2022</a:t>
+              <a:t>07/08/2022</a:t>
             </a:fld>
             <a:endParaRPr lang="en-GB"/>
           </a:p>
@@ -2955,7 +2955,7 @@
           <a:p>
             <a:fld id="{A0631ED2-590D-6041-A408-8F7532103628}" type="datetimeFigureOut">
               <a:rPr lang="en-GB" smtClean="0"/>
-              <a:t>06/08/2022</a:t>
+              <a:t>07/08/2022</a:t>
             </a:fld>
             <a:endParaRPr lang="en-GB"/>
           </a:p>
@@ -3847,16 +3847,15 @@
           </p:cNvPicPr>
           <p:nvPr/>
         </p:nvPicPr>
-        <p:blipFill>
+        <p:blipFill rotWithShape="1">
           <a:blip r:embed="rId8"/>
-          <a:stretch>
-            <a:fillRect/>
-          </a:stretch>
+          <a:srcRect r="18610"/>
+          <a:stretch/>
         </p:blipFill>
         <p:spPr>
           <a:xfrm>
-            <a:off x="8498278" y="2871856"/>
-            <a:ext cx="884995" cy="254201"/>
+            <a:off x="8498279" y="2871856"/>
+            <a:ext cx="720286" cy="254201"/>
           </a:xfrm>
           <a:prstGeom prst="rect">
             <a:avLst/>
@@ -3877,16 +3876,15 @@
           </p:cNvPicPr>
           <p:nvPr/>
         </p:nvPicPr>
-        <p:blipFill>
+        <p:blipFill rotWithShape="1">
           <a:blip r:embed="rId9"/>
-          <a:stretch>
-            <a:fillRect/>
-          </a:stretch>
+          <a:srcRect t="1" r="12483" b="-3622"/>
+          <a:stretch/>
         </p:blipFill>
         <p:spPr>
           <a:xfrm>
             <a:off x="2892067" y="2876587"/>
-            <a:ext cx="1028908" cy="240751"/>
+            <a:ext cx="900471" cy="249470"/>
           </a:xfrm>
           <a:prstGeom prst="rect">
             <a:avLst/>
